--- a/Day4.pptx
+++ b/Day4.pptx
@@ -7,6 +7,10 @@
   <p:sldIdLst>
     <p:sldId id="257" r:id="rId2"/>
     <p:sldId id="258" r:id="rId3"/>
+    <p:sldId id="261" r:id="rId4"/>
+    <p:sldId id="260" r:id="rId5"/>
+    <p:sldId id="262" r:id="rId6"/>
+    <p:sldId id="259" r:id="rId7"/>
   </p:sldIdLst>
   <p:sldSz cx="12192000" cy="6858000"/>
   <p:notesSz cx="6858000" cy="9144000"/>
@@ -105,6 +109,11 @@
       </a:defRPr>
     </a:lvl9pPr>
   </p:defaultTextStyle>
+  <p:extLst>
+    <p:ext uri="{EFAFB233-063F-42B5-8137-9DF3F51BA10A}">
+      <p15:sldGuideLst xmlns:p15="http://schemas.microsoft.com/office/powerpoint/2012/main"/>
+    </p:ext>
+  </p:extLst>
 </p:presentation>
 </file>
 
@@ -239,7 +248,7 @@
           <a:p>
             <a:fld id="{71986507-7EE8-41BD-92D6-38AFE33E873F}" type="datetimeFigureOut">
               <a:rPr lang="en-US" smtClean="0"/>
-              <a:t>6/17/2020</a:t>
+              <a:t>6/18/2020</a:t>
             </a:fld>
             <a:endParaRPr lang="en-US"/>
           </a:p>
@@ -409,7 +418,7 @@
           <a:p>
             <a:fld id="{71986507-7EE8-41BD-92D6-38AFE33E873F}" type="datetimeFigureOut">
               <a:rPr lang="en-US" smtClean="0"/>
-              <a:t>6/17/2020</a:t>
+              <a:t>6/18/2020</a:t>
             </a:fld>
             <a:endParaRPr lang="en-US"/>
           </a:p>
@@ -589,7 +598,7 @@
           <a:p>
             <a:fld id="{71986507-7EE8-41BD-92D6-38AFE33E873F}" type="datetimeFigureOut">
               <a:rPr lang="en-US" smtClean="0"/>
-              <a:t>6/17/2020</a:t>
+              <a:t>6/18/2020</a:t>
             </a:fld>
             <a:endParaRPr lang="en-US"/>
           </a:p>
@@ -759,7 +768,7 @@
           <a:p>
             <a:fld id="{71986507-7EE8-41BD-92D6-38AFE33E873F}" type="datetimeFigureOut">
               <a:rPr lang="en-US" smtClean="0"/>
-              <a:t>6/17/2020</a:t>
+              <a:t>6/18/2020</a:t>
             </a:fld>
             <a:endParaRPr lang="en-US"/>
           </a:p>
@@ -1005,7 +1014,7 @@
           <a:p>
             <a:fld id="{71986507-7EE8-41BD-92D6-38AFE33E873F}" type="datetimeFigureOut">
               <a:rPr lang="en-US" smtClean="0"/>
-              <a:t>6/17/2020</a:t>
+              <a:t>6/18/2020</a:t>
             </a:fld>
             <a:endParaRPr lang="en-US"/>
           </a:p>
@@ -1237,7 +1246,7 @@
           <a:p>
             <a:fld id="{71986507-7EE8-41BD-92D6-38AFE33E873F}" type="datetimeFigureOut">
               <a:rPr lang="en-US" smtClean="0"/>
-              <a:t>6/17/2020</a:t>
+              <a:t>6/18/2020</a:t>
             </a:fld>
             <a:endParaRPr lang="en-US"/>
           </a:p>
@@ -1604,7 +1613,7 @@
           <a:p>
             <a:fld id="{71986507-7EE8-41BD-92D6-38AFE33E873F}" type="datetimeFigureOut">
               <a:rPr lang="en-US" smtClean="0"/>
-              <a:t>6/17/2020</a:t>
+              <a:t>6/18/2020</a:t>
             </a:fld>
             <a:endParaRPr lang="en-US"/>
           </a:p>
@@ -1722,7 +1731,7 @@
           <a:p>
             <a:fld id="{71986507-7EE8-41BD-92D6-38AFE33E873F}" type="datetimeFigureOut">
               <a:rPr lang="en-US" smtClean="0"/>
-              <a:t>6/17/2020</a:t>
+              <a:t>6/18/2020</a:t>
             </a:fld>
             <a:endParaRPr lang="en-US"/>
           </a:p>
@@ -1817,7 +1826,7 @@
           <a:p>
             <a:fld id="{71986507-7EE8-41BD-92D6-38AFE33E873F}" type="datetimeFigureOut">
               <a:rPr lang="en-US" smtClean="0"/>
-              <a:t>6/17/2020</a:t>
+              <a:t>6/18/2020</a:t>
             </a:fld>
             <a:endParaRPr lang="en-US"/>
           </a:p>
@@ -2094,7 +2103,7 @@
           <a:p>
             <a:fld id="{71986507-7EE8-41BD-92D6-38AFE33E873F}" type="datetimeFigureOut">
               <a:rPr lang="en-US" smtClean="0"/>
-              <a:t>6/17/2020</a:t>
+              <a:t>6/18/2020</a:t>
             </a:fld>
             <a:endParaRPr lang="en-US"/>
           </a:p>
@@ -2347,7 +2356,7 @@
           <a:p>
             <a:fld id="{71986507-7EE8-41BD-92D6-38AFE33E873F}" type="datetimeFigureOut">
               <a:rPr lang="en-US" smtClean="0"/>
-              <a:t>6/17/2020</a:t>
+              <a:t>6/18/2020</a:t>
             </a:fld>
             <a:endParaRPr lang="en-US"/>
           </a:p>
@@ -2560,7 +2569,7 @@
           <a:p>
             <a:fld id="{71986507-7EE8-41BD-92D6-38AFE33E873F}" type="datetimeFigureOut">
               <a:rPr lang="en-US" smtClean="0"/>
-              <a:t>6/17/2020</a:t>
+              <a:t>6/18/2020</a:t>
             </a:fld>
             <a:endParaRPr lang="en-US"/>
           </a:p>
@@ -3053,15 +3062,7 @@
           <a:p>
             <a:r>
               <a:rPr lang="en-US" dirty="0" smtClean="0"/>
-              <a:t>Day </a:t>
-            </a:r>
-            <a:r>
-              <a:rPr lang="en-US" dirty="0" smtClean="0"/>
-              <a:t>4:  18 </a:t>
-            </a:r>
-            <a:r>
-              <a:rPr lang="en-US" dirty="0" smtClean="0"/>
-              <a:t>June 2020</a:t>
+              <a:t>Day 4:  18 June 2020</a:t>
             </a:r>
           </a:p>
         </p:txBody>
@@ -3174,7 +3175,7 @@
         </p:nvSpPr>
         <p:spPr>
           <a:xfrm>
-            <a:off x="2339761" y="2361854"/>
+            <a:off x="2339761" y="2438747"/>
             <a:ext cx="5061578" cy="954107"/>
           </a:xfrm>
           <a:prstGeom prst="rect">
@@ -3242,7 +3243,7 @@
         </p:nvSpPr>
         <p:spPr>
           <a:xfrm>
-            <a:off x="2323088" y="3146477"/>
+            <a:off x="2339761" y="3223370"/>
             <a:ext cx="3934923" cy="954107"/>
           </a:xfrm>
           <a:prstGeom prst="rect">
@@ -3312,6 +3313,563 @@
   <p:clrMapOvr>
     <a:masterClrMapping/>
   </p:clrMapOvr>
+  <p:timing>
+    <p:tnLst>
+      <p:par>
+        <p:cTn id="1" dur="indefinite" restart="never" nodeType="tmRoot"/>
+      </p:par>
+    </p:tnLst>
+  </p:timing>
+</p:sld>
+</file>
+
+<file path=ppt/slides/slide3.xml><?xml version="1.0" encoding="utf-8"?>
+<p:sld xmlns:a="http://schemas.openxmlformats.org/drawingml/2006/main" xmlns:r="http://schemas.openxmlformats.org/officeDocument/2006/relationships" xmlns:p="http://schemas.openxmlformats.org/presentationml/2006/main">
+  <p:cSld>
+    <p:spTree>
+      <p:nvGrpSpPr>
+        <p:cNvPr id="1" name=""/>
+        <p:cNvGrpSpPr/>
+        <p:nvPr/>
+      </p:nvGrpSpPr>
+      <p:grpSpPr>
+        <a:xfrm>
+          <a:off x="0" y="0"/>
+          <a:ext cx="0" cy="0"/>
+          <a:chOff x="0" y="0"/>
+          <a:chExt cx="0" cy="0"/>
+        </a:xfrm>
+      </p:grpSpPr>
+      <p:pic>
+        <p:nvPicPr>
+          <p:cNvPr id="2" name="Picture 1"/>
+          <p:cNvPicPr>
+            <a:picLocks noChangeAspect="1"/>
+          </p:cNvPicPr>
+          <p:nvPr/>
+        </p:nvPicPr>
+        <p:blipFill>
+          <a:blip r:embed="rId2">
+            <a:extLst>
+              <a:ext uri="{28A0092B-C50C-407E-A947-70E740481C1C}">
+                <a14:useLocalDpi xmlns:a14="http://schemas.microsoft.com/office/drawing/2010/main" val="0"/>
+              </a:ext>
+            </a:extLst>
+          </a:blip>
+          <a:stretch>
+            <a:fillRect/>
+          </a:stretch>
+        </p:blipFill>
+        <p:spPr>
+          <a:xfrm>
+            <a:off x="2765659" y="-11430"/>
+            <a:ext cx="9159240" cy="6869430"/>
+          </a:xfrm>
+          <a:prstGeom prst="rect">
+            <a:avLst/>
+          </a:prstGeom>
+        </p:spPr>
+      </p:pic>
+      <p:sp>
+        <p:nvSpPr>
+          <p:cNvPr id="3" name="TextBox 2"/>
+          <p:cNvSpPr txBox="1"/>
+          <p:nvPr/>
+        </p:nvSpPr>
+        <p:spPr>
+          <a:xfrm>
+            <a:off x="445168" y="2454442"/>
+            <a:ext cx="2964851" cy="1138773"/>
+          </a:xfrm>
+          <a:prstGeom prst="rect">
+            <a:avLst/>
+          </a:prstGeom>
+          <a:noFill/>
+        </p:spPr>
+        <p:txBody>
+          <a:bodyPr wrap="none" rtlCol="0">
+            <a:spAutoFit/>
+          </a:bodyPr>
+          <a:lstStyle/>
+          <a:p>
+            <a:r>
+              <a:rPr lang="en-US" sz="3200" b="1" dirty="0" smtClean="0"/>
+              <a:t>PCA</a:t>
+            </a:r>
+          </a:p>
+          <a:p>
+            <a:endParaRPr lang="en-US" dirty="0" smtClean="0"/>
+          </a:p>
+          <a:p>
+            <a:r>
+              <a:rPr lang="en-US" dirty="0" smtClean="0"/>
+              <a:t>Principle Component Analysis</a:t>
+            </a:r>
+            <a:endParaRPr lang="en-US" dirty="0"/>
+          </a:p>
+        </p:txBody>
+      </p:sp>
+    </p:spTree>
+    <p:extLst>
+      <p:ext uri="{BB962C8B-B14F-4D97-AF65-F5344CB8AC3E}">
+        <p14:creationId xmlns:p14="http://schemas.microsoft.com/office/powerpoint/2010/main" val="3863957228"/>
+      </p:ext>
+    </p:extLst>
+  </p:cSld>
+  <p:clrMapOvr>
+    <a:masterClrMapping/>
+  </p:clrMapOvr>
+  <p:timing>
+    <p:tnLst>
+      <p:par>
+        <p:cTn id="1" dur="indefinite" restart="never" nodeType="tmRoot"/>
+      </p:par>
+    </p:tnLst>
+  </p:timing>
+</p:sld>
+</file>
+
+<file path=ppt/slides/slide4.xml><?xml version="1.0" encoding="utf-8"?>
+<p:sld xmlns:a="http://schemas.openxmlformats.org/drawingml/2006/main" xmlns:r="http://schemas.openxmlformats.org/officeDocument/2006/relationships" xmlns:p="http://schemas.openxmlformats.org/presentationml/2006/main">
+  <p:cSld>
+    <p:spTree>
+      <p:nvGrpSpPr>
+        <p:cNvPr id="1" name=""/>
+        <p:cNvGrpSpPr/>
+        <p:nvPr/>
+      </p:nvGrpSpPr>
+      <p:grpSpPr>
+        <a:xfrm>
+          <a:off x="0" y="0"/>
+          <a:ext cx="0" cy="0"/>
+          <a:chOff x="0" y="0"/>
+          <a:chExt cx="0" cy="0"/>
+        </a:xfrm>
+      </p:grpSpPr>
+      <p:pic>
+        <p:nvPicPr>
+          <p:cNvPr id="6" name="Picture 5"/>
+          <p:cNvPicPr>
+            <a:picLocks noChangeAspect="1"/>
+          </p:cNvPicPr>
+          <p:nvPr/>
+        </p:nvPicPr>
+        <p:blipFill>
+          <a:blip r:embed="rId2">
+            <a:extLst>
+              <a:ext uri="{BEBA8EAE-BF5A-486C-A8C5-ECC9F3942E4B}">
+                <a14:imgProps xmlns:a14="http://schemas.microsoft.com/office/drawing/2010/main">
+                  <a14:imgLayer r:embed="rId3">
+                    <a14:imgEffect>
+                      <a14:sharpenSoften amount="45000"/>
+                    </a14:imgEffect>
+                  </a14:imgLayer>
+                </a14:imgProps>
+              </a:ext>
+              <a:ext uri="{28A0092B-C50C-407E-A947-70E740481C1C}">
+                <a14:useLocalDpi xmlns:a14="http://schemas.microsoft.com/office/drawing/2010/main" val="0"/>
+              </a:ext>
+            </a:extLst>
+          </a:blip>
+          <a:stretch>
+            <a:fillRect/>
+          </a:stretch>
+        </p:blipFill>
+        <p:spPr>
+          <a:xfrm>
+            <a:off x="1823216" y="1525211"/>
+            <a:ext cx="7500207" cy="5332789"/>
+          </a:xfrm>
+          <a:prstGeom prst="rect">
+            <a:avLst/>
+          </a:prstGeom>
+        </p:spPr>
+      </p:pic>
+      <p:sp>
+        <p:nvSpPr>
+          <p:cNvPr id="2" name="TextBox 1"/>
+          <p:cNvSpPr txBox="1"/>
+          <p:nvPr/>
+        </p:nvSpPr>
+        <p:spPr>
+          <a:xfrm>
+            <a:off x="595003" y="242694"/>
+            <a:ext cx="6842514" cy="646331"/>
+          </a:xfrm>
+          <a:prstGeom prst="rect">
+            <a:avLst/>
+          </a:prstGeom>
+          <a:noFill/>
+        </p:spPr>
+        <p:txBody>
+          <a:bodyPr wrap="none" rtlCol="0">
+            <a:spAutoFit/>
+          </a:bodyPr>
+          <a:lstStyle/>
+          <a:p>
+            <a:r>
+              <a:rPr lang="en-US" sz="3600" b="1" dirty="0" smtClean="0"/>
+              <a:t>NLP</a:t>
+            </a:r>
+            <a:r>
+              <a:rPr lang="en-US" sz="3600" dirty="0" smtClean="0"/>
+              <a:t> ::  Natural Language Processing</a:t>
+            </a:r>
+            <a:endParaRPr lang="en-US" sz="3600" dirty="0"/>
+          </a:p>
+        </p:txBody>
+      </p:sp>
+      <p:sp>
+        <p:nvSpPr>
+          <p:cNvPr id="3" name="Rectangle 2"/>
+          <p:cNvSpPr/>
+          <p:nvPr/>
+        </p:nvSpPr>
+        <p:spPr>
+          <a:xfrm>
+            <a:off x="4983827" y="1254557"/>
+            <a:ext cx="7684168" cy="646331"/>
+          </a:xfrm>
+          <a:prstGeom prst="rect">
+            <a:avLst/>
+          </a:prstGeom>
+        </p:spPr>
+        <p:txBody>
+          <a:bodyPr wrap="square">
+            <a:spAutoFit/>
+          </a:bodyPr>
+          <a:lstStyle/>
+          <a:p>
+            <a:r>
+              <a:rPr lang="en-US" dirty="0" smtClean="0">
+                <a:hlinkClick r:id="rId4"/>
+              </a:rPr>
+              <a:t>https://p.migdal.pl/2017/01/06/king-man-woman-queen-why.html</a:t>
+            </a:r>
+            <a:endParaRPr lang="en-US" dirty="0" smtClean="0"/>
+          </a:p>
+          <a:p>
+            <a:endParaRPr lang="en-US" dirty="0"/>
+          </a:p>
+        </p:txBody>
+      </p:sp>
+      <p:sp>
+        <p:nvSpPr>
+          <p:cNvPr id="4" name="Rectangle 3"/>
+          <p:cNvSpPr/>
+          <p:nvPr/>
+        </p:nvSpPr>
+        <p:spPr>
+          <a:xfrm>
+            <a:off x="925471" y="1063546"/>
+            <a:ext cx="3867405" cy="461665"/>
+          </a:xfrm>
+          <a:prstGeom prst="rect">
+            <a:avLst/>
+          </a:prstGeom>
+          <a:ln w="19050">
+            <a:solidFill>
+              <a:schemeClr val="accent2">
+                <a:lumMod val="50000"/>
+              </a:schemeClr>
+            </a:solidFill>
+          </a:ln>
+        </p:spPr>
+        <p:txBody>
+          <a:bodyPr wrap="none">
+            <a:spAutoFit/>
+          </a:bodyPr>
+          <a:lstStyle/>
+          <a:p>
+            <a:r>
+              <a:rPr lang="en-US" sz="2400" b="1" dirty="0" smtClean="0">
+                <a:solidFill>
+                  <a:schemeClr val="accent2">
+                    <a:lumMod val="50000"/>
+                  </a:schemeClr>
+                </a:solidFill>
+              </a:rPr>
+              <a:t>king - man + woman </a:t>
+            </a:r>
+            <a:r>
+              <a:rPr lang="en-US" sz="2400" b="1" dirty="0">
+                <a:solidFill>
+                  <a:schemeClr val="accent2">
+                    <a:lumMod val="50000"/>
+                  </a:schemeClr>
+                </a:solidFill>
+              </a:rPr>
+              <a:t>=</a:t>
+            </a:r>
+            <a:r>
+              <a:rPr lang="en-US" sz="2400" b="1" dirty="0" smtClean="0">
+                <a:solidFill>
+                  <a:schemeClr val="accent2">
+                    <a:lumMod val="50000"/>
+                  </a:schemeClr>
+                </a:solidFill>
+              </a:rPr>
+              <a:t> queen</a:t>
+            </a:r>
+            <a:endParaRPr lang="en-US" sz="2400" b="1" dirty="0">
+              <a:solidFill>
+                <a:schemeClr val="accent2">
+                  <a:lumMod val="50000"/>
+                </a:schemeClr>
+              </a:solidFill>
+            </a:endParaRPr>
+          </a:p>
+        </p:txBody>
+      </p:sp>
+      <p:sp>
+        <p:nvSpPr>
+          <p:cNvPr id="5" name="Rectangle 4"/>
+          <p:cNvSpPr/>
+          <p:nvPr/>
+        </p:nvSpPr>
+        <p:spPr>
+          <a:xfrm>
+            <a:off x="3678152" y="1635390"/>
+            <a:ext cx="8911389" cy="646331"/>
+          </a:xfrm>
+          <a:prstGeom prst="rect">
+            <a:avLst/>
+          </a:prstGeom>
+        </p:spPr>
+        <p:txBody>
+          <a:bodyPr wrap="square">
+            <a:spAutoFit/>
+          </a:bodyPr>
+          <a:lstStyle/>
+          <a:p>
+            <a:r>
+              <a:rPr lang="en-US" dirty="0" smtClean="0">
+                <a:hlinkClick r:id="rId5"/>
+              </a:rPr>
+              <a:t>https://www.analyticsvidhya.com/blog/2017/06/word-embeddings-count-word2veec/</a:t>
+            </a:r>
+            <a:endParaRPr lang="en-US" dirty="0" smtClean="0"/>
+          </a:p>
+          <a:p>
+            <a:endParaRPr lang="en-US" dirty="0"/>
+          </a:p>
+        </p:txBody>
+      </p:sp>
+    </p:spTree>
+    <p:extLst>
+      <p:ext uri="{BB962C8B-B14F-4D97-AF65-F5344CB8AC3E}">
+        <p14:creationId xmlns:p14="http://schemas.microsoft.com/office/powerpoint/2010/main" val="2376096997"/>
+      </p:ext>
+    </p:extLst>
+  </p:cSld>
+  <p:clrMapOvr>
+    <a:masterClrMapping/>
+  </p:clrMapOvr>
+  <p:timing>
+    <p:tnLst>
+      <p:par>
+        <p:cTn id="1" dur="indefinite" restart="never" nodeType="tmRoot"/>
+      </p:par>
+    </p:tnLst>
+  </p:timing>
+</p:sld>
+</file>
+
+<file path=ppt/slides/slide5.xml><?xml version="1.0" encoding="utf-8"?>
+<p:sld xmlns:a="http://schemas.openxmlformats.org/drawingml/2006/main" xmlns:r="http://schemas.openxmlformats.org/officeDocument/2006/relationships" xmlns:p="http://schemas.openxmlformats.org/presentationml/2006/main">
+  <p:cSld>
+    <p:spTree>
+      <p:nvGrpSpPr>
+        <p:cNvPr id="1" name=""/>
+        <p:cNvGrpSpPr/>
+        <p:nvPr/>
+      </p:nvGrpSpPr>
+      <p:grpSpPr>
+        <a:xfrm>
+          <a:off x="0" y="0"/>
+          <a:ext cx="0" cy="0"/>
+          <a:chOff x="0" y="0"/>
+          <a:chExt cx="0" cy="0"/>
+        </a:xfrm>
+      </p:grpSpPr>
+      <p:sp>
+        <p:nvSpPr>
+          <p:cNvPr id="2" name="Rectangle 1"/>
+          <p:cNvSpPr/>
+          <p:nvPr/>
+        </p:nvSpPr>
+        <p:spPr>
+          <a:xfrm>
+            <a:off x="391124" y="1674614"/>
+            <a:ext cx="4302588" cy="830997"/>
+          </a:xfrm>
+          <a:prstGeom prst="rect">
+            <a:avLst/>
+          </a:prstGeom>
+        </p:spPr>
+        <p:txBody>
+          <a:bodyPr wrap="none">
+            <a:spAutoFit/>
+          </a:bodyPr>
+          <a:lstStyle/>
+          <a:p>
+            <a:r>
+              <a:rPr lang="en-US" sz="2400" dirty="0" smtClean="0">
+                <a:hlinkClick r:id="rId2"/>
+              </a:rPr>
+              <a:t>http://winedarksea.org/?p=2271</a:t>
+            </a:r>
+            <a:endParaRPr lang="en-US" sz="2400" dirty="0" smtClean="0"/>
+          </a:p>
+          <a:p>
+            <a:endParaRPr lang="en-US" sz="2400" dirty="0"/>
+          </a:p>
+        </p:txBody>
+      </p:sp>
+      <p:sp>
+        <p:nvSpPr>
+          <p:cNvPr id="3" name="TextBox 2"/>
+          <p:cNvSpPr txBox="1"/>
+          <p:nvPr/>
+        </p:nvSpPr>
+        <p:spPr>
+          <a:xfrm>
+            <a:off x="1126325" y="655320"/>
+            <a:ext cx="2832186" cy="523220"/>
+          </a:xfrm>
+          <a:prstGeom prst="rect">
+            <a:avLst/>
+          </a:prstGeom>
+          <a:noFill/>
+        </p:spPr>
+        <p:txBody>
+          <a:bodyPr wrap="none" rtlCol="0">
+            <a:spAutoFit/>
+          </a:bodyPr>
+          <a:lstStyle/>
+          <a:p>
+            <a:r>
+              <a:rPr lang="en-US" sz="2800" dirty="0" smtClean="0"/>
+              <a:t>Shakespeare Plays</a:t>
+            </a:r>
+            <a:endParaRPr lang="en-US" sz="2800" dirty="0"/>
+          </a:p>
+        </p:txBody>
+      </p:sp>
+      <p:pic>
+        <p:nvPicPr>
+          <p:cNvPr id="4" name="Picture 3"/>
+          <p:cNvPicPr>
+            <a:picLocks noChangeAspect="1"/>
+          </p:cNvPicPr>
+          <p:nvPr/>
+        </p:nvPicPr>
+        <p:blipFill>
+          <a:blip r:embed="rId3">
+            <a:extLst>
+              <a:ext uri="{28A0092B-C50C-407E-A947-70E740481C1C}">
+                <a14:useLocalDpi xmlns:a14="http://schemas.microsoft.com/office/drawing/2010/main" val="0"/>
+              </a:ext>
+            </a:extLst>
+          </a:blip>
+          <a:stretch>
+            <a:fillRect/>
+          </a:stretch>
+        </p:blipFill>
+        <p:spPr>
+          <a:xfrm>
+            <a:off x="5000758" y="0"/>
+            <a:ext cx="6945363" cy="6858000"/>
+          </a:xfrm>
+          <a:prstGeom prst="rect">
+            <a:avLst/>
+          </a:prstGeom>
+        </p:spPr>
+      </p:pic>
+    </p:spTree>
+    <p:extLst>
+      <p:ext uri="{BB962C8B-B14F-4D97-AF65-F5344CB8AC3E}">
+        <p14:creationId xmlns:p14="http://schemas.microsoft.com/office/powerpoint/2010/main" val="3507291482"/>
+      </p:ext>
+    </p:extLst>
+  </p:cSld>
+  <p:clrMapOvr>
+    <a:masterClrMapping/>
+  </p:clrMapOvr>
+  <p:timing>
+    <p:tnLst>
+      <p:par>
+        <p:cTn id="1" dur="indefinite" restart="never" nodeType="tmRoot"/>
+      </p:par>
+    </p:tnLst>
+  </p:timing>
+</p:sld>
+</file>
+
+<file path=ppt/slides/slide6.xml><?xml version="1.0" encoding="utf-8"?>
+<p:sld xmlns:a="http://schemas.openxmlformats.org/drawingml/2006/main" xmlns:r="http://schemas.openxmlformats.org/officeDocument/2006/relationships" xmlns:p="http://schemas.openxmlformats.org/presentationml/2006/main">
+  <p:cSld>
+    <p:spTree>
+      <p:nvGrpSpPr>
+        <p:cNvPr id="1" name=""/>
+        <p:cNvGrpSpPr/>
+        <p:nvPr/>
+      </p:nvGrpSpPr>
+      <p:grpSpPr>
+        <a:xfrm>
+          <a:off x="0" y="0"/>
+          <a:ext cx="0" cy="0"/>
+          <a:chOff x="0" y="0"/>
+          <a:chExt cx="0" cy="0"/>
+        </a:xfrm>
+      </p:grpSpPr>
+      <p:sp>
+        <p:nvSpPr>
+          <p:cNvPr id="2" name="TextBox 1"/>
+          <p:cNvSpPr txBox="1"/>
+          <p:nvPr/>
+        </p:nvSpPr>
+        <p:spPr>
+          <a:xfrm>
+            <a:off x="4043362" y="1643063"/>
+            <a:ext cx="5186363" cy="646331"/>
+          </a:xfrm>
+          <a:prstGeom prst="rect">
+            <a:avLst/>
+          </a:prstGeom>
+          <a:noFill/>
+        </p:spPr>
+        <p:txBody>
+          <a:bodyPr wrap="square" rtlCol="0">
+            <a:spAutoFit/>
+          </a:bodyPr>
+          <a:lstStyle/>
+          <a:p>
+            <a:r>
+              <a:rPr lang="en-US" sz="3600" dirty="0" smtClean="0"/>
+              <a:t>jhetrick@pacific.edu</a:t>
+            </a:r>
+            <a:endParaRPr lang="en-US" sz="3600" dirty="0"/>
+          </a:p>
+        </p:txBody>
+      </p:sp>
+    </p:spTree>
+    <p:extLst>
+      <p:ext uri="{BB962C8B-B14F-4D97-AF65-F5344CB8AC3E}">
+        <p14:creationId xmlns:p14="http://schemas.microsoft.com/office/powerpoint/2010/main" val="3617457316"/>
+      </p:ext>
+    </p:extLst>
+  </p:cSld>
+  <p:clrMapOvr>
+    <a:masterClrMapping/>
+  </p:clrMapOvr>
+  <p:timing>
+    <p:tnLst>
+      <p:par>
+        <p:cTn id="1" dur="indefinite" restart="never" nodeType="tmRoot"/>
+      </p:par>
+    </p:tnLst>
+  </p:timing>
 </p:sld>
 </file>
 
